--- a/Rec3-Pointer.pptx
+++ b/Rec3-Pointer.pptx
@@ -565,7 +565,7 @@
           <a:p>
             <a:fld id="{F56DEE85-ED71-4F2F-ACF9-AA8FC297E40F}" type="datetimeFigureOut">
               <a:rPr lang="en-US" smtClean="0"/>
-              <a:t>2/10/2021</a:t>
+              <a:t>2/18/2021</a:t>
             </a:fld>
             <a:endParaRPr lang="en-US"/>
           </a:p>
@@ -979,7 +979,7 @@
           <a:p>
             <a:fld id="{D6D0F569-AC90-44EB-9EF4-4E5C2F5D823C}" type="datetime1">
               <a:rPr lang="en-US" smtClean="0"/>
-              <a:t>2/10/2021</a:t>
+              <a:t>2/18/2021</a:t>
             </a:fld>
             <a:endParaRPr lang="en-US" dirty="0"/>
           </a:p>
@@ -1181,7 +1181,7 @@
           <a:p>
             <a:fld id="{46BA7D41-E8B7-4A0B-B861-3EC4AE88917D}" type="datetime1">
               <a:rPr lang="en-US" smtClean="0"/>
-              <a:t>2/10/2021</a:t>
+              <a:t>2/18/2021</a:t>
             </a:fld>
             <a:endParaRPr lang="en-US" dirty="0"/>
           </a:p>
@@ -1393,7 +1393,7 @@
           <a:p>
             <a:fld id="{A7C34823-0B19-4B4E-A643-7A3B0A3D24D6}" type="datetime1">
               <a:rPr lang="en-US" smtClean="0"/>
-              <a:t>2/10/2021</a:t>
+              <a:t>2/18/2021</a:t>
             </a:fld>
             <a:endParaRPr lang="en-US" dirty="0"/>
           </a:p>
@@ -1595,7 +1595,7 @@
           <a:p>
             <a:fld id="{8C2D79EF-17C8-45D8-9866-DAF5723FC604}" type="datetime1">
               <a:rPr lang="en-US" smtClean="0"/>
-              <a:t>2/10/2021</a:t>
+              <a:t>2/18/2021</a:t>
             </a:fld>
             <a:endParaRPr lang="en-US" dirty="0"/>
           </a:p>
@@ -1874,7 +1874,7 @@
           <a:p>
             <a:fld id="{DFFC2ADC-3680-4013-A757-E4663495DB98}" type="datetime1">
               <a:rPr lang="en-US" smtClean="0"/>
-              <a:t>2/10/2021</a:t>
+              <a:t>2/18/2021</a:t>
             </a:fld>
             <a:endParaRPr lang="en-US" dirty="0"/>
           </a:p>
@@ -2143,7 +2143,7 @@
           <a:p>
             <a:fld id="{4751BA94-5DCA-4F19-960F-0FB2BD5EE85A}" type="datetime1">
               <a:rPr lang="en-US" smtClean="0"/>
-              <a:t>2/10/2021</a:t>
+              <a:t>2/18/2021</a:t>
             </a:fld>
             <a:endParaRPr lang="en-US" dirty="0"/>
           </a:p>
@@ -2559,7 +2559,7 @@
           <a:p>
             <a:fld id="{01BED947-38D9-44AC-8B89-E79758333B77}" type="datetime1">
               <a:rPr lang="en-US" smtClean="0"/>
-              <a:t>2/10/2021</a:t>
+              <a:t>2/18/2021</a:t>
             </a:fld>
             <a:endParaRPr lang="en-US" dirty="0"/>
           </a:p>
@@ -2704,7 +2704,7 @@
           <a:p>
             <a:fld id="{3781E23F-BD3C-4F23-B116-2B758120C8AC}" type="datetime1">
               <a:rPr lang="en-US" smtClean="0"/>
-              <a:t>2/10/2021</a:t>
+              <a:t>2/18/2021</a:t>
             </a:fld>
             <a:endParaRPr lang="en-US" dirty="0"/>
           </a:p>
@@ -2821,7 +2821,7 @@
           <a:p>
             <a:fld id="{473CFAA9-6D59-4D98-869E-ACBDB83B2CA4}" type="datetime1">
               <a:rPr lang="en-US" smtClean="0"/>
-              <a:t>2/10/2021</a:t>
+              <a:t>2/18/2021</a:t>
             </a:fld>
             <a:endParaRPr lang="en-US"/>
           </a:p>
@@ -3136,7 +3136,7 @@
           <a:p>
             <a:fld id="{DC410804-27E3-430A-BB42-B831260DE39A}" type="datetime1">
               <a:rPr lang="en-US" smtClean="0"/>
-              <a:t>2/10/2021</a:t>
+              <a:t>2/18/2021</a:t>
             </a:fld>
             <a:endParaRPr lang="en-US" dirty="0"/>
           </a:p>
@@ -3428,7 +3428,7 @@
           <a:p>
             <a:fld id="{60E22DE3-3D1A-4D53-B9A6-6C7463B8C992}" type="datetime1">
               <a:rPr lang="en-US" smtClean="0"/>
-              <a:t>2/10/2021</a:t>
+              <a:t>2/18/2021</a:t>
             </a:fld>
             <a:endParaRPr lang="en-US" dirty="0"/>
           </a:p>
@@ -3677,7 +3677,7 @@
             <a:fld id="{5ECD8B30-1B71-45A1-8314-D59C86F581E1}" type="datetime1">
               <a:rPr lang="en-US" smtClean="0"/>
               <a:pPr/>
-              <a:t>2/10/2021</a:t>
+              <a:t>2/18/2021</a:t>
             </a:fld>
             <a:endParaRPr lang="en-US" b="1" dirty="0"/>
           </a:p>
@@ -5773,8 +5773,8 @@
             <a:chExt cx="775080" cy="1798920"/>
           </a:xfrm>
         </p:grpSpPr>
-        <mc:AlternateContent xmlns:mc="http://schemas.openxmlformats.org/markup-compatibility/2006">
-          <mc:Choice xmlns:p14="http://schemas.microsoft.com/office/powerpoint/2010/main" Requires="p14">
+        <mc:AlternateContent xmlns:mc="http://schemas.openxmlformats.org/markup-compatibility/2006" xmlns:p14="http://schemas.microsoft.com/office/powerpoint/2010/main">
+          <mc:Choice Requires="p14">
             <p:contentPart p14:bwMode="auto" r:id="rId2">
               <p14:nvContentPartPr>
                 <p14:cNvPr id="36" name="Ink 35">
@@ -5793,7 +5793,7 @@
               </p14:xfrm>
             </p:contentPart>
           </mc:Choice>
-          <mc:Fallback>
+          <mc:Fallback xmlns="">
             <p:pic>
               <p:nvPicPr>
                 <p:cNvPr id="36" name="Ink 35">
@@ -5824,8 +5824,8 @@
             </p:pic>
           </mc:Fallback>
         </mc:AlternateContent>
-        <mc:AlternateContent xmlns:mc="http://schemas.openxmlformats.org/markup-compatibility/2006">
-          <mc:Choice xmlns:p14="http://schemas.microsoft.com/office/powerpoint/2010/main" Requires="p14">
+        <mc:AlternateContent xmlns:mc="http://schemas.openxmlformats.org/markup-compatibility/2006" xmlns:p14="http://schemas.microsoft.com/office/powerpoint/2010/main">
+          <mc:Choice Requires="p14">
             <p:contentPart p14:bwMode="auto" r:id="rId4">
               <p14:nvContentPartPr>
                 <p14:cNvPr id="37" name="Ink 36">
@@ -5844,7 +5844,7 @@
               </p14:xfrm>
             </p:contentPart>
           </mc:Choice>
-          <mc:Fallback>
+          <mc:Fallback xmlns="">
             <p:pic>
               <p:nvPicPr>
                 <p:cNvPr id="37" name="Ink 36">
@@ -6395,8 +6395,8 @@
           </a:p>
         </p:txBody>
       </p:sp>
-      <mc:AlternateContent xmlns:mc="http://schemas.openxmlformats.org/markup-compatibility/2006">
-        <mc:Choice xmlns:p14="http://schemas.microsoft.com/office/powerpoint/2010/main" Requires="p14">
+      <mc:AlternateContent xmlns:mc="http://schemas.openxmlformats.org/markup-compatibility/2006" xmlns:p14="http://schemas.microsoft.com/office/powerpoint/2010/main">
+        <mc:Choice Requires="p14">
           <p:contentPart p14:bwMode="auto" r:id="rId2">
             <p14:nvContentPartPr>
               <p14:cNvPr id="4" name="Ink 3">
@@ -6415,7 +6415,7 @@
             </p14:xfrm>
           </p:contentPart>
         </mc:Choice>
-        <mc:Fallback>
+        <mc:Fallback xmlns="">
           <p:pic>
             <p:nvPicPr>
               <p:cNvPr id="4" name="Ink 3">
@@ -6446,8 +6446,8 @@
           </p:pic>
         </mc:Fallback>
       </mc:AlternateContent>
-      <mc:AlternateContent xmlns:mc="http://schemas.openxmlformats.org/markup-compatibility/2006">
-        <mc:Choice xmlns:p14="http://schemas.microsoft.com/office/powerpoint/2010/main" Requires="p14">
+      <mc:AlternateContent xmlns:mc="http://schemas.openxmlformats.org/markup-compatibility/2006" xmlns:p14="http://schemas.microsoft.com/office/powerpoint/2010/main">
+        <mc:Choice Requires="p14">
           <p:contentPart p14:bwMode="auto" r:id="rId4">
             <p14:nvContentPartPr>
               <p14:cNvPr id="16" name="Ink 15">
@@ -6466,7 +6466,7 @@
             </p14:xfrm>
           </p:contentPart>
         </mc:Choice>
-        <mc:Fallback>
+        <mc:Fallback xmlns="">
           <p:pic>
             <p:nvPicPr>
               <p:cNvPr id="16" name="Ink 15">
@@ -7172,8 +7172,8 @@
             <a:chExt cx="495360" cy="894240"/>
           </a:xfrm>
         </p:grpSpPr>
-        <mc:AlternateContent xmlns:mc="http://schemas.openxmlformats.org/markup-compatibility/2006">
-          <mc:Choice xmlns:p14="http://schemas.microsoft.com/office/powerpoint/2010/main" Requires="p14">
+        <mc:AlternateContent xmlns:mc="http://schemas.openxmlformats.org/markup-compatibility/2006" xmlns:p14="http://schemas.microsoft.com/office/powerpoint/2010/main">
+          <mc:Choice Requires="p14">
             <p:contentPart p14:bwMode="auto" r:id="rId2">
               <p14:nvContentPartPr>
                 <p14:cNvPr id="24" name="Ink 23">
@@ -7192,7 +7192,7 @@
               </p14:xfrm>
             </p:contentPart>
           </mc:Choice>
-          <mc:Fallback>
+          <mc:Fallback xmlns="">
             <p:pic>
               <p:nvPicPr>
                 <p:cNvPr id="24" name="Ink 23">
@@ -7223,8 +7223,8 @@
             </p:pic>
           </mc:Fallback>
         </mc:AlternateContent>
-        <mc:AlternateContent xmlns:mc="http://schemas.openxmlformats.org/markup-compatibility/2006">
-          <mc:Choice xmlns:p14="http://schemas.microsoft.com/office/powerpoint/2010/main" Requires="p14">
+        <mc:AlternateContent xmlns:mc="http://schemas.openxmlformats.org/markup-compatibility/2006" xmlns:p14="http://schemas.microsoft.com/office/powerpoint/2010/main">
+          <mc:Choice Requires="p14">
             <p:contentPart p14:bwMode="auto" r:id="rId4">
               <p14:nvContentPartPr>
                 <p14:cNvPr id="25" name="Ink 24">
@@ -7243,7 +7243,7 @@
               </p14:xfrm>
             </p:contentPart>
           </mc:Choice>
-          <mc:Fallback>
+          <mc:Fallback xmlns="">
             <p:pic>
               <p:nvPicPr>
                 <p:cNvPr id="25" name="Ink 24">
@@ -7648,8 +7648,8 @@
             <a:chExt cx="775080" cy="1798920"/>
           </a:xfrm>
         </p:grpSpPr>
-        <mc:AlternateContent xmlns:mc="http://schemas.openxmlformats.org/markup-compatibility/2006">
-          <mc:Choice xmlns:p14="http://schemas.microsoft.com/office/powerpoint/2010/main" Requires="p14">
+        <mc:AlternateContent xmlns:mc="http://schemas.openxmlformats.org/markup-compatibility/2006" xmlns:p14="http://schemas.microsoft.com/office/powerpoint/2010/main">
+          <mc:Choice Requires="p14">
             <p:contentPart p14:bwMode="auto" r:id="rId2">
               <p14:nvContentPartPr>
                 <p14:cNvPr id="36" name="Ink 35">
@@ -7668,7 +7668,7 @@
               </p14:xfrm>
             </p:contentPart>
           </mc:Choice>
-          <mc:Fallback>
+          <mc:Fallback xmlns="">
             <p:pic>
               <p:nvPicPr>
                 <p:cNvPr id="36" name="Ink 35">
@@ -7699,8 +7699,8 @@
             </p:pic>
           </mc:Fallback>
         </mc:AlternateContent>
-        <mc:AlternateContent xmlns:mc="http://schemas.openxmlformats.org/markup-compatibility/2006">
-          <mc:Choice xmlns:p14="http://schemas.microsoft.com/office/powerpoint/2010/main" Requires="p14">
+        <mc:AlternateContent xmlns:mc="http://schemas.openxmlformats.org/markup-compatibility/2006" xmlns:p14="http://schemas.microsoft.com/office/powerpoint/2010/main">
+          <mc:Choice Requires="p14">
             <p:contentPart p14:bwMode="auto" r:id="rId4">
               <p14:nvContentPartPr>
                 <p14:cNvPr id="37" name="Ink 36">
@@ -7719,7 +7719,7 @@
               </p14:xfrm>
             </p:contentPart>
           </mc:Choice>
-          <mc:Fallback>
+          <mc:Fallback xmlns="">
             <p:pic>
               <p:nvPicPr>
                 <p:cNvPr id="37" name="Ink 36">
@@ -8134,8 +8134,8 @@
             <a:chExt cx="775080" cy="1798920"/>
           </a:xfrm>
         </p:grpSpPr>
-        <mc:AlternateContent xmlns:mc="http://schemas.openxmlformats.org/markup-compatibility/2006">
-          <mc:Choice xmlns:p14="http://schemas.microsoft.com/office/powerpoint/2010/main" Requires="p14">
+        <mc:AlternateContent xmlns:mc="http://schemas.openxmlformats.org/markup-compatibility/2006" xmlns:p14="http://schemas.microsoft.com/office/powerpoint/2010/main">
+          <mc:Choice Requires="p14">
             <p:contentPart p14:bwMode="auto" r:id="rId2">
               <p14:nvContentPartPr>
                 <p14:cNvPr id="36" name="Ink 35">
@@ -8154,7 +8154,7 @@
               </p14:xfrm>
             </p:contentPart>
           </mc:Choice>
-          <mc:Fallback>
+          <mc:Fallback xmlns="">
             <p:pic>
               <p:nvPicPr>
                 <p:cNvPr id="36" name="Ink 35">
@@ -8185,8 +8185,8 @@
             </p:pic>
           </mc:Fallback>
         </mc:AlternateContent>
-        <mc:AlternateContent xmlns:mc="http://schemas.openxmlformats.org/markup-compatibility/2006">
-          <mc:Choice xmlns:p14="http://schemas.microsoft.com/office/powerpoint/2010/main" Requires="p14">
+        <mc:AlternateContent xmlns:mc="http://schemas.openxmlformats.org/markup-compatibility/2006" xmlns:p14="http://schemas.microsoft.com/office/powerpoint/2010/main">
+          <mc:Choice Requires="p14">
             <p:contentPart p14:bwMode="auto" r:id="rId4">
               <p14:nvContentPartPr>
                 <p14:cNvPr id="37" name="Ink 36">
@@ -8205,7 +8205,7 @@
               </p14:xfrm>
             </p:contentPart>
           </mc:Choice>
-          <mc:Fallback>
+          <mc:Fallback xmlns="">
             <p:pic>
               <p:nvPicPr>
                 <p:cNvPr id="37" name="Ink 36">
@@ -8688,8 +8688,8 @@
             <a:chExt cx="775080" cy="1798920"/>
           </a:xfrm>
         </p:grpSpPr>
-        <mc:AlternateContent xmlns:mc="http://schemas.openxmlformats.org/markup-compatibility/2006">
-          <mc:Choice xmlns:p14="http://schemas.microsoft.com/office/powerpoint/2010/main" Requires="p14">
+        <mc:AlternateContent xmlns:mc="http://schemas.openxmlformats.org/markup-compatibility/2006" xmlns:p14="http://schemas.microsoft.com/office/powerpoint/2010/main">
+          <mc:Choice Requires="p14">
             <p:contentPart p14:bwMode="auto" r:id="rId2">
               <p14:nvContentPartPr>
                 <p14:cNvPr id="36" name="Ink 35">
@@ -8708,7 +8708,7 @@
               </p14:xfrm>
             </p:contentPart>
           </mc:Choice>
-          <mc:Fallback>
+          <mc:Fallback xmlns="">
             <p:pic>
               <p:nvPicPr>
                 <p:cNvPr id="36" name="Ink 35">
@@ -8739,8 +8739,8 @@
             </p:pic>
           </mc:Fallback>
         </mc:AlternateContent>
-        <mc:AlternateContent xmlns:mc="http://schemas.openxmlformats.org/markup-compatibility/2006">
-          <mc:Choice xmlns:p14="http://schemas.microsoft.com/office/powerpoint/2010/main" Requires="p14">
+        <mc:AlternateContent xmlns:mc="http://schemas.openxmlformats.org/markup-compatibility/2006" xmlns:p14="http://schemas.microsoft.com/office/powerpoint/2010/main">
+          <mc:Choice Requires="p14">
             <p:contentPart p14:bwMode="auto" r:id="rId4">
               <p14:nvContentPartPr>
                 <p14:cNvPr id="37" name="Ink 36">
@@ -8759,7 +8759,7 @@
               </p14:xfrm>
             </p:contentPart>
           </mc:Choice>
-          <mc:Fallback>
+          <mc:Fallback xmlns="">
             <p:pic>
               <p:nvPicPr>
                 <p:cNvPr id="37" name="Ink 36">
@@ -10593,7 +10593,7 @@
                   <a:schemeClr val="bg1"/>
                 </a:solidFill>
               </a:rPr>
-              <a:t>p2: 0x40 -&gt; 0100 1111</a:t>
+              <a:t>p2: 0x40 -&gt; 0100 0000</a:t>
             </a:r>
           </a:p>
           <a:p>
